--- a/Diapositivas/3. Design For Testeability.pptx
+++ b/Diapositivas/3. Design For Testeability.pptx
@@ -240,7 +240,7 @@
           <a:p>
             <a:fld id="{63D5FC4C-9EE1-4746-A368-724F618FC790}" type="datetimeFigureOut">
               <a:rPr lang="es-PE" smtClean="0"/>
-              <a:t>12/04/2013</a:t>
+              <a:t>23/04/2013</a:t>
             </a:fld>
             <a:endParaRPr lang="es-PE"/>
           </a:p>
@@ -2656,7 +2656,7 @@
             <a:fld id="{807CB568-C05F-482F-9F26-AA302B8892DF}" type="datetimeFigureOut">
               <a:rPr lang="es-ES" smtClean="0"/>
               <a:pPr/>
-              <a:t>12/04/2013</a:t>
+              <a:t>23/04/2013</a:t>
             </a:fld>
             <a:endParaRPr lang="es-ES"/>
           </a:p>
@@ -2835,7 +2835,7 @@
             <a:fld id="{807CB568-C05F-482F-9F26-AA302B8892DF}" type="datetimeFigureOut">
               <a:rPr lang="es-ES" smtClean="0"/>
               <a:pPr/>
-              <a:t>12/04/2013</a:t>
+              <a:t>23/04/2013</a:t>
             </a:fld>
             <a:endParaRPr lang="es-ES"/>
           </a:p>
@@ -3024,7 +3024,7 @@
             <a:fld id="{807CB568-C05F-482F-9F26-AA302B8892DF}" type="datetimeFigureOut">
               <a:rPr lang="es-ES" smtClean="0"/>
               <a:pPr/>
-              <a:t>12/04/2013</a:t>
+              <a:t>23/04/2013</a:t>
             </a:fld>
             <a:endParaRPr lang="es-ES"/>
           </a:p>
@@ -3203,7 +3203,7 @@
             <a:fld id="{807CB568-C05F-482F-9F26-AA302B8892DF}" type="datetimeFigureOut">
               <a:rPr lang="es-ES" smtClean="0"/>
               <a:pPr/>
-              <a:t>12/04/2013</a:t>
+              <a:t>23/04/2013</a:t>
             </a:fld>
             <a:endParaRPr lang="es-ES"/>
           </a:p>
@@ -3458,7 +3458,7 @@
             <a:fld id="{807CB568-C05F-482F-9F26-AA302B8892DF}" type="datetimeFigureOut">
               <a:rPr lang="es-ES" smtClean="0"/>
               <a:pPr/>
-              <a:t>12/04/2013</a:t>
+              <a:t>23/04/2013</a:t>
             </a:fld>
             <a:endParaRPr lang="es-ES"/>
           </a:p>
@@ -3755,7 +3755,7 @@
             <a:fld id="{807CB568-C05F-482F-9F26-AA302B8892DF}" type="datetimeFigureOut">
               <a:rPr lang="es-ES" smtClean="0"/>
               <a:pPr/>
-              <a:t>12/04/2013</a:t>
+              <a:t>23/04/2013</a:t>
             </a:fld>
             <a:endParaRPr lang="es-ES"/>
           </a:p>
@@ -4186,7 +4186,7 @@
             <a:fld id="{807CB568-C05F-482F-9F26-AA302B8892DF}" type="datetimeFigureOut">
               <a:rPr lang="es-ES" smtClean="0"/>
               <a:pPr/>
-              <a:t>12/04/2013</a:t>
+              <a:t>23/04/2013</a:t>
             </a:fld>
             <a:endParaRPr lang="es-ES"/>
           </a:p>
@@ -4313,7 +4313,7 @@
             <a:fld id="{807CB568-C05F-482F-9F26-AA302B8892DF}" type="datetimeFigureOut">
               <a:rPr lang="es-ES" smtClean="0"/>
               <a:pPr/>
-              <a:t>12/04/2013</a:t>
+              <a:t>23/04/2013</a:t>
             </a:fld>
             <a:endParaRPr lang="es-ES"/>
           </a:p>
@@ -4417,7 +4417,7 @@
             <a:fld id="{807CB568-C05F-482F-9F26-AA302B8892DF}" type="datetimeFigureOut">
               <a:rPr lang="es-ES" smtClean="0"/>
               <a:pPr/>
-              <a:t>12/04/2013</a:t>
+              <a:t>23/04/2013</a:t>
             </a:fld>
             <a:endParaRPr lang="es-ES"/>
           </a:p>
@@ -4703,7 +4703,7 @@
             <a:fld id="{807CB568-C05F-482F-9F26-AA302B8892DF}" type="datetimeFigureOut">
               <a:rPr lang="es-ES" smtClean="0"/>
               <a:pPr/>
-              <a:t>12/04/2013</a:t>
+              <a:t>23/04/2013</a:t>
             </a:fld>
             <a:endParaRPr lang="es-ES"/>
           </a:p>
@@ -4972,7 +4972,7 @@
             <a:fld id="{807CB568-C05F-482F-9F26-AA302B8892DF}" type="datetimeFigureOut">
               <a:rPr lang="es-ES" smtClean="0"/>
               <a:pPr/>
-              <a:t>12/04/2013</a:t>
+              <a:t>23/04/2013</a:t>
             </a:fld>
             <a:endParaRPr lang="es-ES"/>
           </a:p>
@@ -5223,7 +5223,7 @@
             <a:fld id="{807CB568-C05F-482F-9F26-AA302B8892DF}" type="datetimeFigureOut">
               <a:rPr lang="es-ES" smtClean="0"/>
               <a:pPr/>
-              <a:t>12/04/2013</a:t>
+              <a:t>23/04/2013</a:t>
             </a:fld>
             <a:endParaRPr lang="es-ES"/>
           </a:p>
@@ -6165,7 +6165,7 @@
             <a:r>
               <a:rPr lang="es-PE" sz="2800" dirty="0" smtClean="0">
                 <a:solidFill>
-                  <a:srgbClr val="FF0000"/>
+                  <a:srgbClr val="FFC000"/>
                 </a:solidFill>
               </a:rPr>
               <a:t>Los métodos estáticos son código procedural y no Orientado a Objetos.</a:t>
@@ -6844,7 +6844,7 @@
             <a:r>
               <a:rPr lang="es-ES" sz="2800" dirty="0" smtClean="0">
                 <a:solidFill>
-                  <a:srgbClr val="FF0000"/>
+                  <a:srgbClr val="FFC000"/>
                 </a:solidFill>
               </a:rPr>
               <a:t>Composición</a:t>
@@ -6878,7 +6878,7 @@
             <a:r>
               <a:rPr lang="es-ES" sz="2800" dirty="0" smtClean="0">
                 <a:solidFill>
-                  <a:srgbClr val="FF0000"/>
+                  <a:srgbClr val="FFC000"/>
                 </a:solidFill>
               </a:rPr>
               <a:t>Herencia</a:t>
@@ -8411,7 +8411,7 @@
             <a:r>
               <a:rPr lang="es-ES" sz="2800" dirty="0">
                 <a:solidFill>
-                  <a:srgbClr val="FF0000"/>
+                  <a:srgbClr val="FFC000"/>
                 </a:solidFill>
               </a:rPr>
               <a:t>Aislar las dependencias e inyectarlas</a:t>
@@ -8419,7 +8419,7 @@
             <a:r>
               <a:rPr lang="es-ES" sz="2800" dirty="0" smtClean="0">
                 <a:solidFill>
-                  <a:srgbClr val="FF0000"/>
+                  <a:srgbClr val="FFC000"/>
                 </a:solidFill>
               </a:rPr>
               <a:t>.</a:t>
@@ -8580,7 +8580,7 @@
             <a:r>
               <a:rPr lang="es-PE" sz="2800" dirty="0" smtClean="0">
                 <a:solidFill>
-                  <a:srgbClr val="FF0000"/>
+                  <a:srgbClr val="FFC000"/>
                 </a:solidFill>
               </a:rPr>
               <a:t>Mientras </a:t>
@@ -8588,7 +8588,7 @@
             <a:r>
               <a:rPr lang="es-PE" sz="2800" dirty="0">
                 <a:solidFill>
-                  <a:srgbClr val="FF0000"/>
+                  <a:srgbClr val="FFC000"/>
                 </a:solidFill>
               </a:rPr>
               <a:t>más trabajo hagamos en el constructor, más difícil será crear el objeto para hacer pruebas con el.</a:t>
@@ -8598,7 +8598,7 @@
       </p:sp>
       <p:pic>
         <p:nvPicPr>
-          <p:cNvPr id="1026" name="Picture 2"/>
+          <p:cNvPr id="2" name="Picture 2"/>
           <p:cNvPicPr>
             <a:picLocks noChangeAspect="1" noChangeArrowheads="1"/>
           </p:cNvPicPr>
@@ -8619,18 +8619,16 @@
         </p:blipFill>
         <p:spPr bwMode="auto">
           <a:xfrm>
-            <a:off x="831393" y="1220754"/>
-            <a:ext cx="7415162" cy="4008446"/>
+            <a:off x="1157288" y="1628775"/>
+            <a:ext cx="6829425" cy="3600450"/>
           </a:xfrm>
           <a:prstGeom prst="rect">
             <a:avLst/>
           </a:prstGeom>
+          <a:noFill/>
           <a:ln>
             <a:noFill/>
           </a:ln>
-          <a:effectLst>
-            <a:softEdge rad="112500"/>
-          </a:effectLst>
           <a:extLst>
             <a:ext uri="{909E8E84-426E-40DD-AFC4-6F175D3DCCD1}">
               <a14:hiddenFill xmlns:a14="http://schemas.microsoft.com/office/drawing/2010/main">
@@ -8648,15 +8646,6 @@
                 <a:headEnd/>
                 <a:tailEnd/>
               </a14:hiddenLine>
-            </a:ext>
-            <a:ext uri="{AF507438-7753-43E0-B8FC-AC1667EBCBE1}">
-              <a14:hiddenEffects xmlns:a14="http://schemas.microsoft.com/office/drawing/2010/main">
-                <a:effectLst>
-                  <a:outerShdw dist="35921" dir="2700000" algn="ctr" rotWithShape="0">
-                    <a:schemeClr val="bg2"/>
-                  </a:outerShdw>
-                </a:effectLst>
-              </a14:hiddenEffects>
             </a:ext>
           </a:extLst>
         </p:spPr>
